--- a/docs/Prezentáció.pptx
+++ b/docs/Prezentáció.pptx
@@ -4130,7 +4130,7 @@
             </a:r>
             <a:r>
               <a:rPr lang="hu-HU" sz="2000" dirty="0"/>
-              <a:t> weboldalon érehető el.</a:t>
+              <a:t> weboldalon érhető el.</a:t>
             </a:r>
           </a:p>
           <a:p>
